--- a/ISORC2017/figure/TINET_Hier.pptx
+++ b/ISORC2017/figure/TINET_Hier.pptx
@@ -197,7 +197,7 @@
           <a:p>
             <a:fld id="{00D06802-B8EF-4FD8-9511-F1F928CF3A55}" type="datetimeFigureOut">
               <a:rPr kumimoji="1" lang="ja-JP" altLang="en-US" smtClean="0"/>
-              <a:t>2016/11/30</a:t>
+              <a:t>2016/12/23</a:t>
             </a:fld>
             <a:endParaRPr kumimoji="1" lang="ja-JP" altLang="en-US"/>
           </a:p>
@@ -628,7 +628,7 @@
           <a:p>
             <a:fld id="{AA641DB4-C951-4763-94FC-F650C3AA7E65}" type="datetimeFigureOut">
               <a:rPr kumimoji="1" lang="ja-JP" altLang="en-US" smtClean="0"/>
-              <a:t>2016/11/30</a:t>
+              <a:t>2016/12/23</a:t>
             </a:fld>
             <a:endParaRPr kumimoji="1" lang="ja-JP" altLang="en-US"/>
           </a:p>
@@ -830,7 +830,7 @@
           <a:p>
             <a:fld id="{AA641DB4-C951-4763-94FC-F650C3AA7E65}" type="datetimeFigureOut">
               <a:rPr kumimoji="1" lang="ja-JP" altLang="en-US" smtClean="0"/>
-              <a:t>2016/11/30</a:t>
+              <a:t>2016/12/23</a:t>
             </a:fld>
             <a:endParaRPr kumimoji="1" lang="ja-JP" altLang="en-US"/>
           </a:p>
@@ -1042,7 +1042,7 @@
           <a:p>
             <a:fld id="{AA641DB4-C951-4763-94FC-F650C3AA7E65}" type="datetimeFigureOut">
               <a:rPr kumimoji="1" lang="ja-JP" altLang="en-US" smtClean="0"/>
-              <a:t>2016/11/30</a:t>
+              <a:t>2016/12/23</a:t>
             </a:fld>
             <a:endParaRPr kumimoji="1" lang="ja-JP" altLang="en-US"/>
           </a:p>
@@ -1244,7 +1244,7 @@
           <a:p>
             <a:fld id="{AA641DB4-C951-4763-94FC-F650C3AA7E65}" type="datetimeFigureOut">
               <a:rPr kumimoji="1" lang="ja-JP" altLang="en-US" smtClean="0"/>
-              <a:t>2016/11/30</a:t>
+              <a:t>2016/12/23</a:t>
             </a:fld>
             <a:endParaRPr kumimoji="1" lang="ja-JP" altLang="en-US"/>
           </a:p>
@@ -1490,7 +1490,7 @@
           <a:p>
             <a:fld id="{AA641DB4-C951-4763-94FC-F650C3AA7E65}" type="datetimeFigureOut">
               <a:rPr kumimoji="1" lang="ja-JP" altLang="en-US" smtClean="0"/>
-              <a:t>2016/11/30</a:t>
+              <a:t>2016/12/23</a:t>
             </a:fld>
             <a:endParaRPr kumimoji="1" lang="ja-JP" altLang="en-US"/>
           </a:p>
@@ -1786,7 +1786,7 @@
           <a:p>
             <a:fld id="{AA641DB4-C951-4763-94FC-F650C3AA7E65}" type="datetimeFigureOut">
               <a:rPr kumimoji="1" lang="ja-JP" altLang="en-US" smtClean="0"/>
-              <a:t>2016/11/30</a:t>
+              <a:t>2016/12/23</a:t>
             </a:fld>
             <a:endParaRPr kumimoji="1" lang="ja-JP" altLang="en-US"/>
           </a:p>
@@ -2217,7 +2217,7 @@
           <a:p>
             <a:fld id="{AA641DB4-C951-4763-94FC-F650C3AA7E65}" type="datetimeFigureOut">
               <a:rPr kumimoji="1" lang="ja-JP" altLang="en-US" smtClean="0"/>
-              <a:t>2016/11/30</a:t>
+              <a:t>2016/12/23</a:t>
             </a:fld>
             <a:endParaRPr kumimoji="1" lang="ja-JP" altLang="en-US"/>
           </a:p>
@@ -2335,7 +2335,7 @@
           <a:p>
             <a:fld id="{AA641DB4-C951-4763-94FC-F650C3AA7E65}" type="datetimeFigureOut">
               <a:rPr kumimoji="1" lang="ja-JP" altLang="en-US" smtClean="0"/>
-              <a:t>2016/11/30</a:t>
+              <a:t>2016/12/23</a:t>
             </a:fld>
             <a:endParaRPr kumimoji="1" lang="ja-JP" altLang="en-US"/>
           </a:p>
@@ -2430,7 +2430,7 @@
           <a:p>
             <a:fld id="{AA641DB4-C951-4763-94FC-F650C3AA7E65}" type="datetimeFigureOut">
               <a:rPr kumimoji="1" lang="ja-JP" altLang="en-US" smtClean="0"/>
-              <a:t>2016/11/30</a:t>
+              <a:t>2016/12/23</a:t>
             </a:fld>
             <a:endParaRPr kumimoji="1" lang="ja-JP" altLang="en-US"/>
           </a:p>
@@ -2739,7 +2739,7 @@
           <a:p>
             <a:fld id="{AA641DB4-C951-4763-94FC-F650C3AA7E65}" type="datetimeFigureOut">
               <a:rPr kumimoji="1" lang="ja-JP" altLang="en-US" smtClean="0"/>
-              <a:t>2016/11/30</a:t>
+              <a:t>2016/12/23</a:t>
             </a:fld>
             <a:endParaRPr kumimoji="1" lang="ja-JP" altLang="en-US"/>
           </a:p>
@@ -2992,7 +2992,7 @@
           <a:p>
             <a:fld id="{AA641DB4-C951-4763-94FC-F650C3AA7E65}" type="datetimeFigureOut">
               <a:rPr kumimoji="1" lang="ja-JP" altLang="en-US" smtClean="0"/>
-              <a:t>2016/11/30</a:t>
+              <a:t>2016/12/23</a:t>
             </a:fld>
             <a:endParaRPr kumimoji="1" lang="ja-JP" altLang="en-US"/>
           </a:p>
@@ -3237,7 +3237,7 @@
           <a:p>
             <a:fld id="{AA641DB4-C951-4763-94FC-F650C3AA7E65}" type="datetimeFigureOut">
               <a:rPr kumimoji="1" lang="ja-JP" altLang="en-US" smtClean="0"/>
-              <a:t>2016/11/30</a:t>
+              <a:t>2016/12/23</a:t>
             </a:fld>
             <a:endParaRPr kumimoji="1" lang="ja-JP" altLang="en-US"/>
           </a:p>
@@ -3680,13 +3680,13 @@
           <a:p>
             <a:pPr algn="ctr"/>
             <a:r>
-              <a:rPr kumimoji="1" lang="en-US" altLang="ja-JP" sz="2000" dirty="0" smtClean="0">
+              <a:rPr kumimoji="1" lang="en-US" altLang="ja-JP" sz="3600" dirty="0" smtClean="0">
                 <a:latin typeface="メイリオ" panose="020B0604030504040204" pitchFamily="50" charset="-128"/>
                 <a:ea typeface="メイリオ" panose="020B0604030504040204" pitchFamily="50" charset="-128"/>
               </a:rPr>
               <a:t>TOPPERS/ASP3</a:t>
             </a:r>
-            <a:endParaRPr kumimoji="1" lang="ja-JP" altLang="en-US" sz="2000" dirty="0">
+            <a:endParaRPr kumimoji="1" lang="ja-JP" altLang="en-US" sz="3600" dirty="0">
               <a:latin typeface="メイリオ" panose="020B0604030504040204" pitchFamily="50" charset="-128"/>
               <a:ea typeface="メイリオ" panose="020B0604030504040204" pitchFamily="50" charset="-128"/>
             </a:endParaRPr>
@@ -3770,13 +3770,13 @@
           <a:p>
             <a:pPr algn="ctr"/>
             <a:r>
-              <a:rPr kumimoji="1" lang="en-US" altLang="ja-JP" sz="2000" dirty="0" smtClean="0">
+              <a:rPr kumimoji="1" lang="en-US" altLang="ja-JP" sz="3600" dirty="0" smtClean="0">
                 <a:latin typeface="メイリオ" panose="020B0604030504040204" pitchFamily="50" charset="-128"/>
                 <a:ea typeface="メイリオ" panose="020B0604030504040204" pitchFamily="50" charset="-128"/>
               </a:rPr>
               <a:t>Application</a:t>
             </a:r>
-            <a:endParaRPr kumimoji="1" lang="ja-JP" altLang="en-US" sz="2000" dirty="0">
+            <a:endParaRPr kumimoji="1" lang="ja-JP" altLang="en-US" sz="3600" dirty="0">
               <a:latin typeface="メイリオ" panose="020B0604030504040204" pitchFamily="50" charset="-128"/>
               <a:ea typeface="メイリオ" panose="020B0604030504040204" pitchFamily="50" charset="-128"/>
             </a:endParaRPr>
@@ -3818,13 +3818,13 @@
           <a:p>
             <a:pPr algn="ctr"/>
             <a:r>
-              <a:rPr kumimoji="1" lang="en-US" altLang="ja-JP" sz="2000" dirty="0" smtClean="0">
+              <a:rPr kumimoji="1" lang="en-US" altLang="ja-JP" sz="3200" dirty="0" smtClean="0">
                 <a:latin typeface="メイリオ" panose="020B0604030504040204" pitchFamily="50" charset="-128"/>
                 <a:ea typeface="メイリオ" panose="020B0604030504040204" pitchFamily="50" charset="-128"/>
               </a:rPr>
               <a:t>ITRON TCP/IP API</a:t>
             </a:r>
-            <a:endParaRPr kumimoji="1" lang="ja-JP" altLang="en-US" sz="2000" dirty="0">
+            <a:endParaRPr kumimoji="1" lang="ja-JP" altLang="en-US" sz="3200" dirty="0">
               <a:latin typeface="メイリオ" panose="020B0604030504040204" pitchFamily="50" charset="-128"/>
               <a:ea typeface="メイリオ" panose="020B0604030504040204" pitchFamily="50" charset="-128"/>
             </a:endParaRPr>
@@ -3866,11 +3866,11 @@
           <a:p>
             <a:pPr algn="ctr"/>
             <a:r>
-              <a:rPr kumimoji="1" lang="en-US" altLang="ja-JP" sz="2000" dirty="0" smtClean="0">
+              <a:rPr kumimoji="1" lang="en-US" altLang="ja-JP" sz="3600" dirty="0" smtClean="0">
                 <a:latin typeface="メイリオ" panose="020B0604030504040204" pitchFamily="50" charset="-128"/>
                 <a:ea typeface="メイリオ" panose="020B0604030504040204" pitchFamily="50" charset="-128"/>
               </a:rPr>
-              <a:t>UDP</a:t>
+              <a:t>TCP</a:t>
             </a:r>
             <a:endParaRPr kumimoji="1" lang="ja-JP" altLang="en-US" sz="2000" dirty="0">
               <a:latin typeface="メイリオ" panose="020B0604030504040204" pitchFamily="50" charset="-128"/>
@@ -3914,11 +3914,11 @@
           <a:p>
             <a:pPr algn="ctr"/>
             <a:r>
-              <a:rPr kumimoji="1" lang="en-US" altLang="ja-JP" sz="2000" dirty="0" smtClean="0">
+              <a:rPr kumimoji="1" lang="en-US" altLang="ja-JP" sz="3600" dirty="0" smtClean="0">
                 <a:latin typeface="メイリオ" panose="020B0604030504040204" pitchFamily="50" charset="-128"/>
                 <a:ea typeface="メイリオ" panose="020B0604030504040204" pitchFamily="50" charset="-128"/>
               </a:rPr>
-              <a:t>TCP</a:t>
+              <a:t>UDP</a:t>
             </a:r>
             <a:endParaRPr kumimoji="1" lang="ja-JP" altLang="en-US" sz="2000" dirty="0">
               <a:latin typeface="メイリオ" panose="020B0604030504040204" pitchFamily="50" charset="-128"/>
@@ -3961,7 +3961,7 @@
           <a:lstStyle/>
           <a:p>
             <a:r>
-              <a:rPr kumimoji="1" lang="en-US" altLang="ja-JP" sz="2000" dirty="0" smtClean="0">
+              <a:rPr kumimoji="1" lang="en-US" altLang="ja-JP" sz="3600" dirty="0" smtClean="0">
                 <a:latin typeface="メイリオ" panose="020B0604030504040204" pitchFamily="50" charset="-128"/>
                 <a:ea typeface="メイリオ" panose="020B0604030504040204" pitchFamily="50" charset="-128"/>
               </a:rPr>
@@ -4026,13 +4026,20 @@
           <a:p>
             <a:pPr algn="ctr"/>
             <a:r>
-              <a:rPr kumimoji="1" lang="en-US" altLang="ja-JP" sz="2000" dirty="0" smtClean="0">
+              <a:rPr kumimoji="1" lang="en-US" altLang="ja-JP" sz="2400" dirty="0" smtClean="0">
                 <a:latin typeface="メイリオ" panose="020B0604030504040204" pitchFamily="50" charset="-128"/>
                 <a:ea typeface="メイリオ" panose="020B0604030504040204" pitchFamily="50" charset="-128"/>
               </a:rPr>
-              <a:t>ICMPv4 or ICMPv6</a:t>
-            </a:r>
-            <a:endParaRPr kumimoji="1" lang="ja-JP" altLang="en-US" sz="2000" dirty="0">
+              <a:t>ICMP </a:t>
+            </a:r>
+            <a:r>
+              <a:rPr kumimoji="1" lang="en-US" altLang="ja-JP" sz="2400" dirty="0" smtClean="0">
+                <a:latin typeface="メイリオ" panose="020B0604030504040204" pitchFamily="50" charset="-128"/>
+                <a:ea typeface="メイリオ" panose="020B0604030504040204" pitchFamily="50" charset="-128"/>
+              </a:rPr>
+              <a:t>or ICMPv6</a:t>
+            </a:r>
+            <a:endParaRPr kumimoji="1" lang="ja-JP" altLang="en-US" sz="2400" dirty="0">
               <a:latin typeface="メイリオ" panose="020B0604030504040204" pitchFamily="50" charset="-128"/>
               <a:ea typeface="メイリオ" panose="020B0604030504040204" pitchFamily="50" charset="-128"/>
             </a:endParaRPr>
@@ -4074,7 +4081,7 @@
           <a:p>
             <a:pPr algn="ctr"/>
             <a:r>
-              <a:rPr kumimoji="1" lang="en-US" altLang="ja-JP" sz="2000" dirty="0" smtClean="0">
+              <a:rPr kumimoji="1" lang="en-US" altLang="ja-JP" sz="3600" dirty="0" smtClean="0">
                 <a:latin typeface="メイリオ" panose="020B0604030504040204" pitchFamily="50" charset="-128"/>
                 <a:ea typeface="メイリオ" panose="020B0604030504040204" pitchFamily="50" charset="-128"/>
               </a:rPr>
@@ -4122,13 +4129,13 @@
           <a:p>
             <a:pPr algn="ctr"/>
             <a:r>
-              <a:rPr kumimoji="1" lang="en-US" altLang="ja-JP" sz="2000" dirty="0" smtClean="0">
+              <a:rPr kumimoji="1" lang="en-US" altLang="ja-JP" sz="3600" dirty="0" smtClean="0">
                 <a:latin typeface="メイリオ" panose="020B0604030504040204" pitchFamily="50" charset="-128"/>
                 <a:ea typeface="メイリオ" panose="020B0604030504040204" pitchFamily="50" charset="-128"/>
               </a:rPr>
               <a:t>Ethernet</a:t>
             </a:r>
-            <a:endParaRPr kumimoji="1" lang="ja-JP" altLang="en-US" sz="2000" dirty="0">
+            <a:endParaRPr kumimoji="1" lang="ja-JP" altLang="en-US" sz="3600" dirty="0">
               <a:latin typeface="メイリオ" panose="020B0604030504040204" pitchFamily="50" charset="-128"/>
               <a:ea typeface="メイリオ" panose="020B0604030504040204" pitchFamily="50" charset="-128"/>
             </a:endParaRPr>
@@ -4170,7 +4177,7 @@
           <a:p>
             <a:pPr algn="ctr"/>
             <a:r>
-              <a:rPr kumimoji="1" lang="en-US" altLang="ja-JP" sz="2000" dirty="0" smtClean="0">
+              <a:rPr kumimoji="1" lang="en-US" altLang="ja-JP" sz="3600" dirty="0" smtClean="0">
                 <a:latin typeface="メイリオ" panose="020B0604030504040204" pitchFamily="50" charset="-128"/>
                 <a:ea typeface="メイリオ" panose="020B0604030504040204" pitchFamily="50" charset="-128"/>
               </a:rPr>
@@ -4218,7 +4225,7 @@
           <a:p>
             <a:pPr algn="ctr"/>
             <a:r>
-              <a:rPr kumimoji="1" lang="en-US" altLang="ja-JP" sz="2000" dirty="0" smtClean="0">
+              <a:rPr kumimoji="1" lang="en-US" altLang="ja-JP" sz="3600" dirty="0" smtClean="0">
                 <a:latin typeface="メイリオ" panose="020B0604030504040204" pitchFamily="50" charset="-128"/>
                 <a:ea typeface="メイリオ" panose="020B0604030504040204" pitchFamily="50" charset="-128"/>
               </a:rPr>
@@ -4479,6 +4486,170 @@
           </a:fontRef>
         </p:style>
       </p:cxnSp>
+      <p:sp>
+        <p:nvSpPr>
+          <p:cNvPr id="3" name="円/楕円 2"/>
+          <p:cNvSpPr/>
+          <p:nvPr/>
+        </p:nvSpPr>
+        <p:spPr>
+          <a:xfrm>
+            <a:off x="3584574" y="1141185"/>
+            <a:ext cx="1200151" cy="1153888"/>
+          </a:xfrm>
+          <a:prstGeom prst="ellipse">
+            <a:avLst/>
+          </a:prstGeom>
+        </p:spPr>
+        <p:style>
+          <a:lnRef idx="2">
+            <a:schemeClr val="dk1"/>
+          </a:lnRef>
+          <a:fillRef idx="1">
+            <a:schemeClr val="lt1"/>
+          </a:fillRef>
+          <a:effectRef idx="0">
+            <a:schemeClr val="dk1"/>
+          </a:effectRef>
+          <a:fontRef idx="minor">
+            <a:schemeClr val="dk1"/>
+          </a:fontRef>
+        </p:style>
+        <p:txBody>
+          <a:bodyPr rtlCol="0" anchor="ctr"/>
+          <a:lstStyle/>
+          <a:p>
+            <a:pPr algn="ctr"/>
+            <a:r>
+              <a:rPr kumimoji="1" lang="en-US" altLang="ja-JP" sz="2400" dirty="0" smtClean="0">
+                <a:latin typeface="メイリオ" panose="020B0604030504040204" pitchFamily="50" charset="-128"/>
+                <a:ea typeface="メイリオ" panose="020B0604030504040204" pitchFamily="50" charset="-128"/>
+              </a:rPr>
+              <a:t>UDP</a:t>
+            </a:r>
+          </a:p>
+          <a:p>
+            <a:pPr algn="ctr"/>
+            <a:r>
+              <a:rPr kumimoji="1" lang="en-US" altLang="ja-JP" sz="2400" dirty="0" smtClean="0">
+                <a:latin typeface="メイリオ" panose="020B0604030504040204" pitchFamily="50" charset="-128"/>
+                <a:ea typeface="メイリオ" panose="020B0604030504040204" pitchFamily="50" charset="-128"/>
+              </a:rPr>
+              <a:t>CEP</a:t>
+            </a:r>
+            <a:endParaRPr kumimoji="1" lang="ja-JP" altLang="en-US" sz="2400" dirty="0">
+              <a:latin typeface="メイリオ" panose="020B0604030504040204" pitchFamily="50" charset="-128"/>
+              <a:ea typeface="メイリオ" panose="020B0604030504040204" pitchFamily="50" charset="-128"/>
+            </a:endParaRPr>
+          </a:p>
+        </p:txBody>
+      </p:sp>
+      <p:sp>
+        <p:nvSpPr>
+          <p:cNvPr id="24" name="円/楕円 23"/>
+          <p:cNvSpPr/>
+          <p:nvPr/>
+        </p:nvSpPr>
+        <p:spPr>
+          <a:xfrm>
+            <a:off x="10414000" y="1141185"/>
+            <a:ext cx="1200151" cy="1153888"/>
+          </a:xfrm>
+          <a:prstGeom prst="ellipse">
+            <a:avLst/>
+          </a:prstGeom>
+        </p:spPr>
+        <p:style>
+          <a:lnRef idx="2">
+            <a:schemeClr val="dk1"/>
+          </a:lnRef>
+          <a:fillRef idx="1">
+            <a:schemeClr val="lt1"/>
+          </a:fillRef>
+          <a:effectRef idx="0">
+            <a:schemeClr val="dk1"/>
+          </a:effectRef>
+          <a:fontRef idx="minor">
+            <a:schemeClr val="dk1"/>
+          </a:fontRef>
+        </p:style>
+        <p:txBody>
+          <a:bodyPr rtlCol="0" anchor="ctr"/>
+          <a:lstStyle/>
+          <a:p>
+            <a:pPr algn="ctr"/>
+            <a:r>
+              <a:rPr kumimoji="1" lang="en-US" altLang="ja-JP" sz="2400" dirty="0" smtClean="0">
+                <a:latin typeface="メイリオ" panose="020B0604030504040204" pitchFamily="50" charset="-128"/>
+                <a:ea typeface="メイリオ" panose="020B0604030504040204" pitchFamily="50" charset="-128"/>
+              </a:rPr>
+              <a:t>TCP</a:t>
+            </a:r>
+          </a:p>
+          <a:p>
+            <a:pPr algn="ctr"/>
+            <a:r>
+              <a:rPr kumimoji="1" lang="en-US" altLang="ja-JP" sz="2400" dirty="0" smtClean="0">
+                <a:latin typeface="メイリオ" panose="020B0604030504040204" pitchFamily="50" charset="-128"/>
+                <a:ea typeface="メイリオ" panose="020B0604030504040204" pitchFamily="50" charset="-128"/>
+              </a:rPr>
+              <a:t>CEP</a:t>
+            </a:r>
+            <a:endParaRPr kumimoji="1" lang="ja-JP" altLang="en-US" sz="2400" dirty="0">
+              <a:latin typeface="メイリオ" panose="020B0604030504040204" pitchFamily="50" charset="-128"/>
+              <a:ea typeface="メイリオ" panose="020B0604030504040204" pitchFamily="50" charset="-128"/>
+            </a:endParaRPr>
+          </a:p>
+        </p:txBody>
+      </p:sp>
+      <p:sp>
+        <p:nvSpPr>
+          <p:cNvPr id="25" name="円/楕円 24"/>
+          <p:cNvSpPr/>
+          <p:nvPr/>
+        </p:nvSpPr>
+        <p:spPr>
+          <a:xfrm>
+            <a:off x="6918323" y="1565275"/>
+            <a:ext cx="1200151" cy="559701"/>
+          </a:xfrm>
+          <a:prstGeom prst="ellipse">
+            <a:avLst/>
+          </a:prstGeom>
+        </p:spPr>
+        <p:style>
+          <a:lnRef idx="2">
+            <a:schemeClr val="dk1"/>
+          </a:lnRef>
+          <a:fillRef idx="1">
+            <a:schemeClr val="lt1"/>
+          </a:fillRef>
+          <a:effectRef idx="0">
+            <a:schemeClr val="dk1"/>
+          </a:effectRef>
+          <a:fontRef idx="minor">
+            <a:schemeClr val="dk1"/>
+          </a:fontRef>
+        </p:style>
+        <p:txBody>
+          <a:bodyPr rtlCol="0" anchor="ctr"/>
+          <a:lstStyle/>
+          <a:p>
+            <a:pPr algn="ctr"/>
+            <a:r>
+              <a:rPr kumimoji="1" lang="en-US" altLang="ja-JP" sz="2400" dirty="0" smtClean="0">
+                <a:latin typeface="メイリオ" panose="020B0604030504040204" pitchFamily="50" charset="-128"/>
+                <a:ea typeface="メイリオ" panose="020B0604030504040204" pitchFamily="50" charset="-128"/>
+              </a:rPr>
+              <a:t>REP</a:t>
+            </a:r>
+            <a:endParaRPr kumimoji="1" lang="ja-JP" altLang="en-US" sz="2400" dirty="0">
+              <a:latin typeface="メイリオ" panose="020B0604030504040204" pitchFamily="50" charset="-128"/>
+              <a:ea typeface="メイリオ" panose="020B0604030504040204" pitchFamily="50" charset="-128"/>
+            </a:endParaRPr>
+          </a:p>
+        </p:txBody>
+      </p:sp>
     </p:spTree>
     <p:extLst>
       <p:ext uri="{BB962C8B-B14F-4D97-AF65-F5344CB8AC3E}">
